--- a/CASE STUDY/DE_MiniProject.pptx
+++ b/CASE STUDY/DE_MiniProject.pptx
@@ -5,7 +5,7 @@
     <p:sldMasterId id="2147483655" r:id="rId1"/>
   </p:sldMasterIdLst>
   <p:notesMasterIdLst>
-    <p:notesMasterId r:id="rId29"/>
+    <p:notesMasterId r:id="rId30"/>
   </p:notesMasterIdLst>
   <p:sldIdLst>
     <p:sldId id="256" r:id="rId2"/>
@@ -35,30 +35,31 @@
     <p:sldId id="295" r:id="rId26"/>
     <p:sldId id="296" r:id="rId27"/>
     <p:sldId id="281" r:id="rId28"/>
+    <p:sldId id="306" r:id="rId29"/>
   </p:sldIdLst>
   <p:sldSz cx="9144000" cy="5143500" type="screen16x9"/>
   <p:notesSz cx="6858000" cy="9144000"/>
   <p:embeddedFontLst>
     <p:embeddedFont>
+      <p:font typeface="Plus Jakarta Sans" panose="020B0604020202020204" charset="0"/>
+      <p:regular r:id="rId31"/>
+      <p:bold r:id="rId32"/>
+      <p:italic r:id="rId33"/>
+      <p:boldItalic r:id="rId34"/>
+    </p:embeddedFont>
+    <p:embeddedFont>
       <p:font typeface="Plus Jakarta Sans SemiBold" panose="020B0604020202020204" charset="0"/>
-      <p:regular r:id="rId30"/>
-      <p:bold r:id="rId31"/>
-      <p:italic r:id="rId32"/>
-      <p:boldItalic r:id="rId33"/>
+      <p:regular r:id="rId35"/>
+      <p:bold r:id="rId36"/>
+      <p:italic r:id="rId37"/>
+      <p:boldItalic r:id="rId38"/>
     </p:embeddedFont>
     <p:embeddedFont>
       <p:font typeface="Plus Jakarta Sans Medium" panose="020B0604020202020204" charset="0"/>
-      <p:regular r:id="rId34"/>
-      <p:bold r:id="rId35"/>
-      <p:italic r:id="rId36"/>
-      <p:boldItalic r:id="rId37"/>
-    </p:embeddedFont>
-    <p:embeddedFont>
-      <p:font typeface="Plus Jakarta Sans" panose="020B0604020202020204" charset="0"/>
-      <p:regular r:id="rId38"/>
-      <p:bold r:id="rId39"/>
-      <p:italic r:id="rId40"/>
-      <p:boldItalic r:id="rId41"/>
+      <p:regular r:id="rId39"/>
+      <p:bold r:id="rId40"/>
+      <p:italic r:id="rId41"/>
+      <p:boldItalic r:id="rId42"/>
     </p:embeddedFont>
   </p:embeddedFontLst>
   <p:defaultTextStyle>
@@ -292,7 +293,7 @@
   </p:defaultTextStyle>
   <p:extLst>
     <p:ext uri="{EFAFB233-063F-42B5-8137-9DF3F51BA10A}">
-      <p15:sldGuideLst xmlns:ahyp="http://schemas.microsoft.com/office/drawing/2018/hyperlinkcolor" xmlns:p15="http://schemas.microsoft.com/office/powerpoint/2012/main" xmlns:p14="http://schemas.microsoft.com/office/powerpoint/2010/main" xmlns:com="http://schemas.openxmlformats.org/drawingml/2006/compatibility" xmlns:pvml="urn:schemas-microsoft-com:office:powerpoint" xmlns:v="urn:schemas-microsoft-com:vml" xmlns:o="urn:schemas-microsoft-com:office:office" xmlns:dgm="http://schemas.openxmlformats.org/drawingml/2006/diagram" xmlns:c="http://schemas.openxmlformats.org/drawingml/2006/chart" xmlns:mv="urn:schemas-microsoft-com:mac:vml" xmlns:mc="http://schemas.openxmlformats.org/markup-compatibility/2006" xmlns="">
+      <p15:sldGuideLst xmlns="" xmlns:mc="http://schemas.openxmlformats.org/markup-compatibility/2006" xmlns:mv="urn:schemas-microsoft-com:mac:vml" xmlns:c="http://schemas.openxmlformats.org/drawingml/2006/chart" xmlns:dgm="http://schemas.openxmlformats.org/drawingml/2006/diagram" xmlns:o="urn:schemas-microsoft-com:office:office" xmlns:v="urn:schemas-microsoft-com:vml" xmlns:pvml="urn:schemas-microsoft-com:office:powerpoint" xmlns:com="http://schemas.openxmlformats.org/drawingml/2006/compatibility" xmlns:p14="http://schemas.microsoft.com/office/powerpoint/2010/main" xmlns:p15="http://schemas.microsoft.com/office/powerpoint/2012/main" xmlns:ahyp="http://schemas.microsoft.com/office/drawing/2018/hyperlinkcolor">
         <p15:guide id="1" orient="horz" pos="1620">
           <p15:clr>
             <a:srgbClr val="A4A3A4"/>
@@ -2732,6 +2733,110 @@
 </file>
 
 <file path=ppt/notesSlides/notesSlide27.xml><?xml version="1.0" encoding="utf-8"?>
+<p:notes xmlns:a="http://schemas.openxmlformats.org/drawingml/2006/main" xmlns:r="http://schemas.openxmlformats.org/officeDocument/2006/relationships" xmlns:p="http://schemas.openxmlformats.org/presentationml/2006/main" showMasterSp="0" showMasterPhAnim="0">
+  <p:cSld>
+    <p:spTree>
+      <p:nvGrpSpPr>
+        <p:cNvPr id="1" name="Shape 224"/>
+        <p:cNvGrpSpPr/>
+        <p:nvPr/>
+      </p:nvGrpSpPr>
+      <p:grpSpPr>
+        <a:xfrm>
+          <a:off x="0" y="0"/>
+          <a:ext cx="0" cy="0"/>
+          <a:chOff x="0" y="0"/>
+          <a:chExt cx="0" cy="0"/>
+        </a:xfrm>
+      </p:grpSpPr>
+      <p:sp>
+        <p:nvSpPr>
+          <p:cNvPr id="225" name="Google Shape;225;g1c7189d3f5d_0_1523:notes"/>
+          <p:cNvSpPr>
+            <a:spLocks noGrp="1" noRot="1" noChangeAspect="1"/>
+          </p:cNvSpPr>
+          <p:nvPr>
+            <p:ph type="sldImg" idx="2"/>
+          </p:nvPr>
+        </p:nvSpPr>
+        <p:spPr>
+          <a:xfrm>
+            <a:off x="381000" y="685800"/>
+            <a:ext cx="6096000" cy="3429000"/>
+          </a:xfrm>
+          <a:custGeom>
+            <a:avLst/>
+            <a:gdLst/>
+            <a:ahLst/>
+            <a:cxnLst/>
+            <a:rect l="l" t="t" r="r" b="b"/>
+            <a:pathLst>
+              <a:path w="120000" h="120000" extrusionOk="0">
+                <a:moveTo>
+                  <a:pt x="0" y="0"/>
+                </a:moveTo>
+                <a:lnTo>
+                  <a:pt x="120000" y="0"/>
+                </a:lnTo>
+                <a:lnTo>
+                  <a:pt x="120000" y="120000"/>
+                </a:lnTo>
+                <a:lnTo>
+                  <a:pt x="0" y="120000"/>
+                </a:lnTo>
+                <a:close/>
+              </a:path>
+            </a:pathLst>
+          </a:custGeom>
+        </p:spPr>
+      </p:sp>
+      <p:sp>
+        <p:nvSpPr>
+          <p:cNvPr id="226" name="Google Shape;226;g1c7189d3f5d_0_1523:notes"/>
+          <p:cNvSpPr txBox="1">
+            <a:spLocks noGrp="1"/>
+          </p:cNvSpPr>
+          <p:nvPr>
+            <p:ph type="body" idx="1"/>
+          </p:nvPr>
+        </p:nvSpPr>
+        <p:spPr>
+          <a:xfrm>
+            <a:off x="685800" y="4343400"/>
+            <a:ext cx="5486400" cy="4114800"/>
+          </a:xfrm>
+          <a:prstGeom prst="rect">
+            <a:avLst/>
+          </a:prstGeom>
+        </p:spPr>
+        <p:txBody>
+          <a:bodyPr spcFirstLastPara="1" wrap="square" lIns="91425" tIns="91425" rIns="91425" bIns="91425" anchor="t" anchorCtr="0">
+            <a:noAutofit/>
+          </a:bodyPr>
+          <a:lstStyle/>
+          <a:p>
+            <a:pPr marL="0" lvl="0" indent="0" algn="l" rtl="0">
+              <a:spcBef>
+                <a:spcPts val="0"/>
+              </a:spcBef>
+              <a:spcAft>
+                <a:spcPts val="0"/>
+              </a:spcAft>
+              <a:buNone/>
+            </a:pPr>
+            <a:endParaRPr dirty="0"/>
+          </a:p>
+        </p:txBody>
+      </p:sp>
+    </p:spTree>
+  </p:cSld>
+  <p:clrMapOvr>
+    <a:masterClrMapping/>
+  </p:clrMapOvr>
+</p:notes>
+</file>
+
+<file path=ppt/notesSlides/notesSlide28.xml><?xml version="1.0" encoding="utf-8"?>
 <p:notes xmlns:a="http://schemas.openxmlformats.org/drawingml/2006/main" xmlns:r="http://schemas.openxmlformats.org/officeDocument/2006/relationships" xmlns:p="http://schemas.openxmlformats.org/presentationml/2006/main" showMasterSp="0" showMasterPhAnim="0">
   <p:cSld>
     <p:spTree>
@@ -12564,6 +12669,141 @@
 </p:sld>
 </file>
 
+<file path=ppt/slides/slide28.xml><?xml version="1.0" encoding="utf-8"?>
+<p:sld xmlns:a="http://schemas.openxmlformats.org/drawingml/2006/main" xmlns:r="http://schemas.openxmlformats.org/officeDocument/2006/relationships" xmlns:p="http://schemas.openxmlformats.org/presentationml/2006/main">
+  <p:cSld>
+    <p:spTree>
+      <p:nvGrpSpPr>
+        <p:cNvPr id="1" name="Shape 227"/>
+        <p:cNvGrpSpPr/>
+        <p:nvPr/>
+      </p:nvGrpSpPr>
+      <p:grpSpPr>
+        <a:xfrm>
+          <a:off x="0" y="0"/>
+          <a:ext cx="0" cy="0"/>
+          <a:chOff x="0" y="0"/>
+          <a:chExt cx="0" cy="0"/>
+        </a:xfrm>
+      </p:grpSpPr>
+      <p:sp>
+        <p:nvSpPr>
+          <p:cNvPr id="228" name="Google Shape;228;p34"/>
+          <p:cNvSpPr txBox="1">
+            <a:spLocks noGrp="1"/>
+          </p:cNvSpPr>
+          <p:nvPr>
+            <p:ph type="ctrTitle"/>
+          </p:nvPr>
+        </p:nvSpPr>
+        <p:spPr>
+          <a:xfrm>
+            <a:off x="2400000" y="1992000"/>
+            <a:ext cx="5664000" cy="1453200"/>
+          </a:xfrm>
+          <a:prstGeom prst="rect">
+            <a:avLst/>
+          </a:prstGeom>
+        </p:spPr>
+        <p:txBody>
+          <a:bodyPr spcFirstLastPara="1" wrap="square" lIns="91425" tIns="91425" rIns="91425" bIns="91425" anchor="b" anchorCtr="0">
+            <a:normAutofit/>
+          </a:bodyPr>
+          <a:lstStyle/>
+          <a:p>
+            <a:pPr marL="0" lvl="0" indent="0" algn="l" rtl="0">
+              <a:spcBef>
+                <a:spcPts val="0"/>
+              </a:spcBef>
+              <a:spcAft>
+                <a:spcPts val="0"/>
+              </a:spcAft>
+              <a:buNone/>
+            </a:pPr>
+            <a:r>
+              <a:rPr lang="id"/>
+              <a:t>Terima Kasih</a:t>
+            </a:r>
+            <a:endParaRPr/>
+          </a:p>
+        </p:txBody>
+      </p:sp>
+      <p:pic>
+        <p:nvPicPr>
+          <p:cNvPr id="229" name="Google Shape;229;p34"/>
+          <p:cNvPicPr preferRelativeResize="0"/>
+          <p:nvPr/>
+        </p:nvPicPr>
+        <p:blipFill>
+          <a:blip r:embed="rId3">
+            <a:alphaModFix/>
+          </a:blip>
+          <a:stretch>
+            <a:fillRect/>
+          </a:stretch>
+        </p:blipFill>
+        <p:spPr>
+          <a:xfrm>
+            <a:off x="5748474" y="2134101"/>
+            <a:ext cx="875300" cy="875300"/>
+          </a:xfrm>
+          <a:prstGeom prst="rect">
+            <a:avLst/>
+          </a:prstGeom>
+          <a:noFill/>
+          <a:ln>
+            <a:noFill/>
+          </a:ln>
+        </p:spPr>
+      </p:pic>
+      <p:pic>
+        <p:nvPicPr>
+          <p:cNvPr id="230" name="Google Shape;230;p34"/>
+          <p:cNvPicPr preferRelativeResize="0"/>
+          <p:nvPr/>
+        </p:nvPicPr>
+        <p:blipFill>
+          <a:blip r:embed="rId4">
+            <a:alphaModFix/>
+          </a:blip>
+          <a:stretch>
+            <a:fillRect/>
+          </a:stretch>
+        </p:blipFill>
+        <p:spPr>
+          <a:xfrm>
+            <a:off x="7344675" y="3494350"/>
+            <a:ext cx="1359700" cy="1359675"/>
+          </a:xfrm>
+          <a:prstGeom prst="rect">
+            <a:avLst/>
+          </a:prstGeom>
+          <a:noFill/>
+          <a:ln>
+            <a:noFill/>
+          </a:ln>
+        </p:spPr>
+      </p:pic>
+    </p:spTree>
+    <p:extLst>
+      <p:ext uri="{BB962C8B-B14F-4D97-AF65-F5344CB8AC3E}">
+        <p14:creationId xmlns:p14="http://schemas.microsoft.com/office/powerpoint/2010/main" val="891445746"/>
+      </p:ext>
+    </p:extLst>
+  </p:cSld>
+  <p:clrMapOvr>
+    <a:masterClrMapping/>
+  </p:clrMapOvr>
+  <p:timing>
+    <p:tnLst>
+      <p:par>
+        <p:cTn id="1" dur="indefinite" restart="never" nodeType="tmRoot"/>
+      </p:par>
+    </p:tnLst>
+  </p:timing>
+</p:sld>
+</file>
+
 <file path=ppt/slides/slide3.xml><?xml version="1.0" encoding="utf-8"?>
 <p:sld xmlns:a="http://schemas.openxmlformats.org/drawingml/2006/main" xmlns:r="http://schemas.openxmlformats.org/officeDocument/2006/relationships" xmlns:p="http://schemas.openxmlformats.org/presentationml/2006/main">
   <p:cSld>
